--- a/269 - O Lord, How Can it Be.pptx
+++ b/269 - O Lord, How Can it Be.pptx
@@ -114,10 +114,6 @@
 </p:presentation>
 </file>
 
-<file path=ppt/revisionInfo.xml><?xml version="1.0" encoding="utf-8"?>
-<p1510:revInfo xmlns:a="http://schemas.openxmlformats.org/drawingml/2006/main" xmlns:r="http://schemas.openxmlformats.org/officeDocument/2006/relationships" xmlns:p1510="http://schemas.microsoft.com/office/powerpoint/2015/10/main"/>
-</file>
-
 <file path=ppt/slideLayouts/slideLayout1.xml><?xml version="1.0" encoding="utf-8"?>
 <p:sldLayout xmlns:a="http://schemas.openxmlformats.org/drawingml/2006/main" xmlns:r="http://schemas.openxmlformats.org/officeDocument/2006/relationships" xmlns:p="http://schemas.openxmlformats.org/presentationml/2006/main" type="title" preserve="1">
   <p:cSld name="Title Slide">
@@ -247,7 +243,7 @@
           <a:p>
             <a:fld id="{32F7251A-AE54-443C-B8FE-5F636E835EBF}" type="datetimeFigureOut">
               <a:rPr lang="en-US" smtClean="0"/>
-              <a:t>7/2/2017</a:t>
+              <a:t>2/2/2020</a:t>
             </a:fld>
             <a:endParaRPr lang="en-US"/>
           </a:p>
@@ -415,7 +411,7 @@
           <a:p>
             <a:fld id="{32F7251A-AE54-443C-B8FE-5F636E835EBF}" type="datetimeFigureOut">
               <a:rPr lang="en-US" smtClean="0"/>
-              <a:t>7/2/2017</a:t>
+              <a:t>2/2/2020</a:t>
             </a:fld>
             <a:endParaRPr lang="en-US"/>
           </a:p>
@@ -593,7 +589,7 @@
           <a:p>
             <a:fld id="{32F7251A-AE54-443C-B8FE-5F636E835EBF}" type="datetimeFigureOut">
               <a:rPr lang="en-US" smtClean="0"/>
-              <a:t>7/2/2017</a:t>
+              <a:t>2/2/2020</a:t>
             </a:fld>
             <a:endParaRPr lang="en-US"/>
           </a:p>
@@ -761,7 +757,7 @@
           <a:p>
             <a:fld id="{32F7251A-AE54-443C-B8FE-5F636E835EBF}" type="datetimeFigureOut">
               <a:rPr lang="en-US" smtClean="0"/>
-              <a:t>7/2/2017</a:t>
+              <a:t>2/2/2020</a:t>
             </a:fld>
             <a:endParaRPr lang="en-US"/>
           </a:p>
@@ -1006,7 +1002,7 @@
           <a:p>
             <a:fld id="{32F7251A-AE54-443C-B8FE-5F636E835EBF}" type="datetimeFigureOut">
               <a:rPr lang="en-US" smtClean="0"/>
-              <a:t>7/2/2017</a:t>
+              <a:t>2/2/2020</a:t>
             </a:fld>
             <a:endParaRPr lang="en-US"/>
           </a:p>
@@ -1235,7 +1231,7 @@
           <a:p>
             <a:fld id="{32F7251A-AE54-443C-B8FE-5F636E835EBF}" type="datetimeFigureOut">
               <a:rPr lang="en-US" smtClean="0"/>
-              <a:t>7/2/2017</a:t>
+              <a:t>2/2/2020</a:t>
             </a:fld>
             <a:endParaRPr lang="en-US"/>
           </a:p>
@@ -1599,7 +1595,7 @@
           <a:p>
             <a:fld id="{32F7251A-AE54-443C-B8FE-5F636E835EBF}" type="datetimeFigureOut">
               <a:rPr lang="en-US" smtClean="0"/>
-              <a:t>7/2/2017</a:t>
+              <a:t>2/2/2020</a:t>
             </a:fld>
             <a:endParaRPr lang="en-US"/>
           </a:p>
@@ -1716,7 +1712,7 @@
           <a:p>
             <a:fld id="{32F7251A-AE54-443C-B8FE-5F636E835EBF}" type="datetimeFigureOut">
               <a:rPr lang="en-US" smtClean="0"/>
-              <a:t>7/2/2017</a:t>
+              <a:t>2/2/2020</a:t>
             </a:fld>
             <a:endParaRPr lang="en-US"/>
           </a:p>
@@ -1811,7 +1807,7 @@
           <a:p>
             <a:fld id="{32F7251A-AE54-443C-B8FE-5F636E835EBF}" type="datetimeFigureOut">
               <a:rPr lang="en-US" smtClean="0"/>
-              <a:t>7/2/2017</a:t>
+              <a:t>2/2/2020</a:t>
             </a:fld>
             <a:endParaRPr lang="en-US"/>
           </a:p>
@@ -2086,7 +2082,7 @@
           <a:p>
             <a:fld id="{32F7251A-AE54-443C-B8FE-5F636E835EBF}" type="datetimeFigureOut">
               <a:rPr lang="en-US" smtClean="0"/>
-              <a:t>7/2/2017</a:t>
+              <a:t>2/2/2020</a:t>
             </a:fld>
             <a:endParaRPr lang="en-US"/>
           </a:p>
@@ -2338,7 +2334,7 @@
           <a:p>
             <a:fld id="{32F7251A-AE54-443C-B8FE-5F636E835EBF}" type="datetimeFigureOut">
               <a:rPr lang="en-US" smtClean="0"/>
-              <a:t>7/2/2017</a:t>
+              <a:t>2/2/2020</a:t>
             </a:fld>
             <a:endParaRPr lang="en-US"/>
           </a:p>
@@ -2405,7 +2401,9 @@
     <p:bg>
       <p:bgPr>
         <a:solidFill>
-          <a:srgbClr val="333333"/>
+          <a:schemeClr val="bg1">
+            <a:lumMod val="10000"/>
+          </a:schemeClr>
         </a:solidFill>
         <a:effectLst/>
       </p:bgPr>
@@ -2552,7 +2550,7 @@
           <a:p>
             <a:fld id="{32F7251A-AE54-443C-B8FE-5F636E835EBF}" type="datetimeFigureOut">
               <a:rPr lang="en-US" smtClean="0"/>
-              <a:t>7/2/2017</a:t>
+              <a:t>2/2/2020</a:t>
             </a:fld>
             <a:endParaRPr lang="en-US"/>
           </a:p>
@@ -3034,15 +3032,23 @@
           <a:bodyPr wrap="square" rtlCol="0" anchor="ctr">
             <a:spAutoFit/>
           </a:bodyPr>
-          <a:lstStyle/>
-          <a:p>
-            <a:pPr algn="ctr"/>
-            <a:r>
-              <a:rPr lang="en-US" sz="4800" dirty="0">
+          <a:lstStyle>
+            <a:defPPr>
+              <a:defRPr lang="en-US"/>
+            </a:defPPr>
+            <a:lvl1pPr algn="ctr">
+              <a:defRPr sz="3200" u="sng">
                 <a:solidFill>
                   <a:schemeClr val="bg1"/>
                 </a:solidFill>
-              </a:rPr>
+                <a:latin typeface="Assistant SemiBold" panose="00000700000000000000" pitchFamily="2" charset="-79"/>
+                <a:cs typeface="Assistant SemiBold" panose="00000700000000000000" pitchFamily="2" charset="-79"/>
+              </a:defRPr>
+            </a:lvl1pPr>
+          </a:lstStyle>
+          <a:p>
+            <a:r>
+              <a:rPr lang="en-US" dirty="0"/>
               <a:t>“O Lord, How Can it Be?”</a:t>
             </a:r>
           </a:p>
@@ -3056,8 +3062,8 @@
         </p:nvSpPr>
         <p:spPr>
           <a:xfrm>
-            <a:off x="0" y="319381"/>
-            <a:ext cx="12192000" cy="4524315"/>
+            <a:off x="0" y="895577"/>
+            <a:ext cx="12192000" cy="3539430"/>
           </a:xfrm>
           <a:prstGeom prst="rect">
             <a:avLst/>
@@ -3068,86 +3074,59 @@
           <a:bodyPr wrap="square" rtlCol="0">
             <a:spAutoFit/>
           </a:bodyPr>
-          <a:lstStyle/>
-          <a:p>
-            <a:pPr algn="ctr"/>
-            <a:r>
-              <a:rPr lang="en-US" sz="3600" dirty="0">
+          <a:lstStyle>
+            <a:defPPr>
+              <a:defRPr lang="en-US"/>
+            </a:defPPr>
+            <a:lvl1pPr algn="ctr">
+              <a:defRPr sz="2800" spc="50">
                 <a:solidFill>
                   <a:schemeClr val="bg1"/>
                 </a:solidFill>
-              </a:rPr>
+                <a:latin typeface="Assistant" panose="00000500000000000000" pitchFamily="2" charset="-79"/>
+                <a:cs typeface="Assistant" panose="00000500000000000000" pitchFamily="2" charset="-79"/>
+              </a:defRPr>
+            </a:lvl1pPr>
+          </a:lstStyle>
+          <a:p>
+            <a:r>
+              <a:rPr lang="en-US" dirty="0"/>
               <a:t>O Lord, how can it be</a:t>
             </a:r>
           </a:p>
           <a:p>
-            <a:pPr algn="ctr"/>
-            <a:r>
-              <a:rPr lang="en-US" sz="3600" dirty="0">
-                <a:solidFill>
-                  <a:schemeClr val="bg1"/>
-                </a:solidFill>
-              </a:rPr>
+            <a:r>
+              <a:rPr lang="en-US" dirty="0"/>
               <a:t>That I may come to eat with Thee</a:t>
             </a:r>
           </a:p>
           <a:p>
-            <a:pPr algn="ctr"/>
-            <a:r>
-              <a:rPr lang="en-US" sz="3600" dirty="0">
-                <a:solidFill>
-                  <a:schemeClr val="bg1"/>
-                </a:solidFill>
-              </a:rPr>
+            <a:r>
+              <a:rPr lang="en-US" dirty="0"/>
               <a:t>This sacred, heavenly food?</a:t>
             </a:r>
           </a:p>
           <a:p>
-            <a:pPr algn="ctr"/>
-            <a:endParaRPr lang="en-US" sz="3600" dirty="0">
-              <a:solidFill>
-                <a:schemeClr val="bg1"/>
-              </a:solidFill>
-            </a:endParaRPr>
-          </a:p>
-          <a:p>
-            <a:pPr algn="ctr"/>
-            <a:endParaRPr lang="en-US" sz="3600" dirty="0">
-              <a:solidFill>
-                <a:schemeClr val="bg1"/>
-              </a:solidFill>
-            </a:endParaRPr>
-          </a:p>
-          <a:p>
-            <a:pPr algn="ctr"/>
-            <a:r>
-              <a:rPr lang="en-US" sz="3600" dirty="0">
-                <a:solidFill>
-                  <a:schemeClr val="bg1"/>
-                </a:solidFill>
-              </a:rPr>
+            <a:endParaRPr lang="en-US" dirty="0"/>
+          </a:p>
+          <a:p>
+            <a:endParaRPr lang="en-US" dirty="0"/>
+          </a:p>
+          <a:p>
+            <a:r>
+              <a:rPr lang="en-US" dirty="0"/>
               <a:t>My robe is marked with sin;</a:t>
             </a:r>
           </a:p>
           <a:p>
-            <a:pPr algn="ctr"/>
-            <a:r>
-              <a:rPr lang="en-US" sz="3600" dirty="0">
-                <a:solidFill>
-                  <a:schemeClr val="bg1"/>
-                </a:solidFill>
-              </a:rPr>
+            <a:r>
+              <a:rPr lang="en-US" dirty="0"/>
               <a:t>How can I come Thy courts within</a:t>
             </a:r>
           </a:p>
           <a:p>
-            <a:pPr algn="ctr"/>
-            <a:r>
-              <a:rPr lang="en-US" sz="3600" dirty="0">
-                <a:solidFill>
-                  <a:schemeClr val="bg1"/>
-                </a:solidFill>
-              </a:rPr>
+            <a:r>
+              <a:rPr lang="en-US" dirty="0"/>
               <a:t>To eat and drink with God?</a:t>
             </a:r>
           </a:p>
@@ -3260,15 +3239,23 @@
           <a:bodyPr wrap="square" rtlCol="0" anchor="ctr">
             <a:spAutoFit/>
           </a:bodyPr>
-          <a:lstStyle/>
-          <a:p>
-            <a:pPr algn="ctr"/>
-            <a:r>
-              <a:rPr lang="en-US" sz="4800" dirty="0">
+          <a:lstStyle>
+            <a:defPPr>
+              <a:defRPr lang="en-US"/>
+            </a:defPPr>
+            <a:lvl1pPr algn="ctr">
+              <a:defRPr sz="3200" u="sng">
                 <a:solidFill>
                   <a:schemeClr val="bg1"/>
                 </a:solidFill>
-              </a:rPr>
+                <a:latin typeface="Assistant SemiBold" panose="00000700000000000000" pitchFamily="2" charset="-79"/>
+                <a:cs typeface="Assistant SemiBold" panose="00000700000000000000" pitchFamily="2" charset="-79"/>
+              </a:defRPr>
+            </a:lvl1pPr>
+          </a:lstStyle>
+          <a:p>
+            <a:r>
+              <a:rPr lang="en-US" dirty="0"/>
               <a:t>“O Lord, How Can it Be?”</a:t>
             </a:r>
           </a:p>
@@ -3282,8 +3269,8 @@
         </p:nvSpPr>
         <p:spPr>
           <a:xfrm>
-            <a:off x="0" y="319381"/>
-            <a:ext cx="12192000" cy="4524315"/>
+            <a:off x="0" y="845473"/>
+            <a:ext cx="12192000" cy="3539430"/>
           </a:xfrm>
           <a:prstGeom prst="rect">
             <a:avLst/>
@@ -3294,86 +3281,59 @@
           <a:bodyPr wrap="square" rtlCol="0">
             <a:spAutoFit/>
           </a:bodyPr>
-          <a:lstStyle/>
-          <a:p>
-            <a:pPr algn="ctr"/>
-            <a:r>
-              <a:rPr lang="en-US" sz="3600" dirty="0">
+          <a:lstStyle>
+            <a:defPPr>
+              <a:defRPr lang="en-US"/>
+            </a:defPPr>
+            <a:lvl1pPr algn="ctr">
+              <a:defRPr sz="2800" spc="50">
                 <a:solidFill>
                   <a:schemeClr val="bg1"/>
                 </a:solidFill>
-              </a:rPr>
+                <a:latin typeface="Assistant" panose="00000500000000000000" pitchFamily="2" charset="-79"/>
+                <a:cs typeface="Assistant" panose="00000500000000000000" pitchFamily="2" charset="-79"/>
+              </a:defRPr>
+            </a:lvl1pPr>
+          </a:lstStyle>
+          <a:p>
+            <a:r>
+              <a:rPr lang="en-US" dirty="0"/>
               <a:t>O Lord, by faith I see</a:t>
             </a:r>
           </a:p>
           <a:p>
-            <a:pPr algn="ctr"/>
-            <a:r>
-              <a:rPr lang="en-US" sz="3600" dirty="0">
-                <a:solidFill>
-                  <a:schemeClr val="bg1"/>
-                </a:solidFill>
-              </a:rPr>
+            <a:r>
+              <a:rPr lang="en-US" dirty="0"/>
               <a:t>That Thou didst give Thyself for me,</a:t>
             </a:r>
           </a:p>
           <a:p>
-            <a:pPr algn="ctr"/>
-            <a:r>
-              <a:rPr lang="en-US" sz="3600" dirty="0">
-                <a:solidFill>
-                  <a:schemeClr val="bg1"/>
-                </a:solidFill>
-              </a:rPr>
+            <a:r>
+              <a:rPr lang="en-US" dirty="0"/>
               <a:t>To cleanse my soul from sin.</a:t>
             </a:r>
           </a:p>
           <a:p>
-            <a:pPr algn="ctr"/>
-            <a:endParaRPr lang="en-US" sz="3600" dirty="0">
-              <a:solidFill>
-                <a:schemeClr val="bg1"/>
-              </a:solidFill>
-            </a:endParaRPr>
-          </a:p>
-          <a:p>
-            <a:pPr algn="ctr"/>
-            <a:endParaRPr lang="en-US" sz="3600" dirty="0">
-              <a:solidFill>
-                <a:schemeClr val="bg1"/>
-              </a:solidFill>
-            </a:endParaRPr>
-          </a:p>
-          <a:p>
-            <a:pPr algn="ctr"/>
-            <a:r>
-              <a:rPr lang="en-US" sz="3600" dirty="0">
-                <a:solidFill>
-                  <a:schemeClr val="bg1"/>
-                </a:solidFill>
-              </a:rPr>
-              <a:t>In his sweet morning,</a:t>
-            </a:r>
-          </a:p>
-          <a:p>
-            <a:pPr algn="ctr"/>
-            <a:r>
-              <a:rPr lang="en-US" sz="3600" dirty="0">
-                <a:solidFill>
-                  <a:schemeClr val="bg1"/>
-                </a:solidFill>
-              </a:rPr>
+            <a:endParaRPr lang="en-US" dirty="0"/>
+          </a:p>
+          <a:p>
+            <a:endParaRPr lang="en-US" dirty="0"/>
+          </a:p>
+          <a:p>
+            <a:r>
+              <a:rPr lang="en-US" dirty="0"/>
+              <a:t>In this sweet morning hour,</a:t>
+            </a:r>
+          </a:p>
+          <a:p>
+            <a:r>
+              <a:rPr lang="en-US" dirty="0"/>
               <a:t>O seal on me Thy cleansing power</a:t>
             </a:r>
           </a:p>
           <a:p>
-            <a:pPr algn="ctr"/>
-            <a:r>
-              <a:rPr lang="en-US" sz="3600" dirty="0">
-                <a:solidFill>
-                  <a:schemeClr val="bg1"/>
-                </a:solidFill>
-              </a:rPr>
+            <a:r>
+              <a:rPr lang="en-US" dirty="0"/>
               <a:t>That I may holy be.</a:t>
             </a:r>
           </a:p>
@@ -3486,15 +3446,23 @@
           <a:bodyPr wrap="square" rtlCol="0" anchor="ctr">
             <a:spAutoFit/>
           </a:bodyPr>
-          <a:lstStyle/>
-          <a:p>
-            <a:pPr algn="ctr"/>
-            <a:r>
-              <a:rPr lang="en-US" sz="4800" dirty="0">
+          <a:lstStyle>
+            <a:defPPr>
+              <a:defRPr lang="en-US"/>
+            </a:defPPr>
+            <a:lvl1pPr algn="ctr">
+              <a:defRPr sz="3200" u="sng">
                 <a:solidFill>
                   <a:schemeClr val="bg1"/>
                 </a:solidFill>
-              </a:rPr>
+                <a:latin typeface="Assistant SemiBold" panose="00000700000000000000" pitchFamily="2" charset="-79"/>
+                <a:cs typeface="Assistant SemiBold" panose="00000700000000000000" pitchFamily="2" charset="-79"/>
+              </a:defRPr>
+            </a:lvl1pPr>
+          </a:lstStyle>
+          <a:p>
+            <a:r>
+              <a:rPr lang="en-US" dirty="0"/>
               <a:t>“O Lord, How Can it Be?”</a:t>
             </a:r>
           </a:p>
@@ -3508,8 +3476,8 @@
         </p:nvSpPr>
         <p:spPr>
           <a:xfrm>
-            <a:off x="0" y="1657851"/>
-            <a:ext cx="12192000" cy="1754326"/>
+            <a:off x="0" y="1870793"/>
+            <a:ext cx="12192000" cy="1384995"/>
           </a:xfrm>
           <a:prstGeom prst="rect">
             <a:avLst/>
@@ -3520,45 +3488,35 @@
           <a:bodyPr wrap="square" rtlCol="0">
             <a:spAutoFit/>
           </a:bodyPr>
-          <a:lstStyle/>
-          <a:p>
-            <a:pPr algn="ctr"/>
-            <a:r>
-              <a:rPr lang="en-US" sz="3600" dirty="0">
+          <a:lstStyle>
+            <a:defPPr>
+              <a:defRPr lang="en-US"/>
+            </a:defPPr>
+            <a:lvl1pPr algn="ctr">
+              <a:defRPr sz="2800" spc="50">
                 <a:solidFill>
                   <a:schemeClr val="bg1"/>
                 </a:solidFill>
-              </a:rPr>
-              <a:t>And then </a:t>
-            </a:r>
-            <a:r>
-              <a:rPr lang="en-US" sz="3600">
-                <a:solidFill>
-                  <a:schemeClr val="bg1"/>
-                </a:solidFill>
-              </a:rPr>
-              <a:t>with heart—full, free—</a:t>
-            </a:r>
-          </a:p>
-          <a:p>
-            <a:pPr algn="ctr"/>
-            <a:r>
-              <a:rPr lang="en-US" sz="3600" dirty="0">
-                <a:solidFill>
-                  <a:schemeClr val="bg1"/>
-                </a:solidFill>
-              </a:rPr>
+                <a:latin typeface="Assistant" panose="00000500000000000000" pitchFamily="2" charset="-79"/>
+                <a:cs typeface="Assistant" panose="00000500000000000000" pitchFamily="2" charset="-79"/>
+              </a:defRPr>
+            </a:lvl1pPr>
+          </a:lstStyle>
+          <a:p>
+            <a:r>
+              <a:rPr lang="en-US" dirty="0"/>
+              <a:t>And then with heart—full, free—</a:t>
+            </a:r>
+          </a:p>
+          <a:p>
+            <a:r>
+              <a:rPr lang="en-US" dirty="0"/>
               <a:t>I reach my hand to eat with Thee,</a:t>
             </a:r>
           </a:p>
           <a:p>
-            <a:pPr algn="ctr"/>
-            <a:r>
-              <a:rPr lang="en-US" sz="3600" dirty="0">
-                <a:solidFill>
-                  <a:schemeClr val="bg1"/>
-                </a:solidFill>
-              </a:rPr>
+            <a:r>
+              <a:rPr lang="en-US" dirty="0"/>
               <a:t>In oneness with my God.</a:t>
             </a:r>
           </a:p>
